--- a/Spotify-GCP Pipeline Workflow Architechture.pptx
+++ b/Spotify-GCP Pipeline Workflow Architechture.pptx
@@ -104,6 +104,11 @@
       </a:defRPr>
     </a:lvl9pPr>
   </p:defaultTextStyle>
+  <p:extLst>
+    <p:ext uri="{EFAFB233-063F-42B5-8137-9DF3F51BA10A}">
+      <p15:sldGuideLst xmlns:p15="http://schemas.microsoft.com/office/powerpoint/2012/main"/>
+    </p:ext>
+  </p:extLst>
 </p:presentation>
 </file>
 
@@ -3344,6 +3349,53 @@
       </p:grpSpPr>
       <p:sp>
         <p:nvSpPr>
+          <p:cNvPr id="5" name="Rectangle 4">
+            <a:extLst>
+              <a:ext uri="{FF2B5EF4-FFF2-40B4-BE49-F238E27FC236}">
+                <a16:creationId xmlns:a16="http://schemas.microsoft.com/office/drawing/2014/main" id="{7D732687-CCD7-B701-49C1-6C3EB969EA6E}"/>
+              </a:ext>
+            </a:extLst>
+          </p:cNvPr>
+          <p:cNvSpPr/>
+          <p:nvPr/>
+        </p:nvSpPr>
+        <p:spPr>
+          <a:xfrm>
+            <a:off x="2779634" y="1278313"/>
+            <a:ext cx="8985018" cy="4670000"/>
+          </a:xfrm>
+          <a:prstGeom prst="rect">
+            <a:avLst/>
+          </a:prstGeom>
+          <a:noFill/>
+        </p:spPr>
+        <p:style>
+          <a:lnRef idx="2">
+            <a:schemeClr val="accent1">
+              <a:shade val="15000"/>
+            </a:schemeClr>
+          </a:lnRef>
+          <a:fillRef idx="1">
+            <a:schemeClr val="accent1"/>
+          </a:fillRef>
+          <a:effectRef idx="0">
+            <a:schemeClr val="accent1"/>
+          </a:effectRef>
+          <a:fontRef idx="minor">
+            <a:schemeClr val="lt1"/>
+          </a:fontRef>
+        </p:style>
+        <p:txBody>
+          <a:bodyPr rtlCol="0" anchor="ctr"/>
+          <a:lstStyle/>
+          <a:p>
+            <a:pPr algn="ctr"/>
+            <a:endParaRPr lang="en-IN"/>
+          </a:p>
+        </p:txBody>
+      </p:sp>
+      <p:sp>
+        <p:nvSpPr>
           <p:cNvPr id="17" name="Rectangle 16">
             <a:extLst>
               <a:ext uri="{FF2B5EF4-FFF2-40B4-BE49-F238E27FC236}">
@@ -4013,7 +4065,7 @@
         </p:nvSpPr>
         <p:spPr>
           <a:xfrm>
-            <a:off x="3522938" y="5008577"/>
+            <a:off x="3479556" y="5450890"/>
             <a:ext cx="914400" cy="369332"/>
           </a:xfrm>
           <a:prstGeom prst="rect">
@@ -4064,7 +4116,7 @@
         </p:blipFill>
         <p:spPr>
           <a:xfrm>
-            <a:off x="2759731" y="4900639"/>
+            <a:off x="2716349" y="5342952"/>
             <a:ext cx="1007094" cy="537164"/>
           </a:xfrm>
           <a:prstGeom prst="rect">
@@ -4573,6 +4625,101 @@
           </a:prstGeom>
         </p:spPr>
       </p:pic>
+      <p:pic>
+        <p:nvPicPr>
+          <p:cNvPr id="1026" name="Picture 2">
+            <a:extLst>
+              <a:ext uri="{FF2B5EF4-FFF2-40B4-BE49-F238E27FC236}">
+                <a16:creationId xmlns:a16="http://schemas.microsoft.com/office/drawing/2014/main" id="{61B05290-2CF2-EEB9-D712-3BFF6446C271}"/>
+              </a:ext>
+            </a:extLst>
+          </p:cNvPr>
+          <p:cNvPicPr>
+            <a:picLocks noChangeAspect="1" noChangeArrowheads="1"/>
+          </p:cNvPicPr>
+          <p:nvPr/>
+        </p:nvPicPr>
+        <p:blipFill>
+          <a:blip r:embed="rId9">
+            <a:extLst>
+              <a:ext uri="{28A0092B-C50C-407E-A947-70E740481C1C}">
+                <a14:useLocalDpi xmlns:a14="http://schemas.microsoft.com/office/drawing/2010/main" val="0"/>
+              </a:ext>
+            </a:extLst>
+          </a:blip>
+          <a:srcRect/>
+          <a:stretch>
+            <a:fillRect/>
+          </a:stretch>
+        </p:blipFill>
+        <p:spPr bwMode="auto">
+          <a:xfrm>
+            <a:off x="6999098" y="5429964"/>
+            <a:ext cx="450152" cy="450152"/>
+          </a:xfrm>
+          <a:prstGeom prst="rect">
+            <a:avLst/>
+          </a:prstGeom>
+          <a:noFill/>
+          <a:extLst>
+            <a:ext uri="{909E8E84-426E-40DD-AFC4-6F175D3DCCD1}">
+              <a14:hiddenFill xmlns:a14="http://schemas.microsoft.com/office/drawing/2010/main">
+                <a:solidFill>
+                  <a:srgbClr val="FFFFFF"/>
+                </a:solidFill>
+              </a14:hiddenFill>
+            </a:ext>
+          </a:extLst>
+        </p:spPr>
+      </p:pic>
+      <p:sp>
+        <p:nvSpPr>
+          <p:cNvPr id="9" name="TextBox 8">
+            <a:extLst>
+              <a:ext uri="{FF2B5EF4-FFF2-40B4-BE49-F238E27FC236}">
+                <a16:creationId xmlns:a16="http://schemas.microsoft.com/office/drawing/2014/main" id="{69C9EFDA-FD79-0F0B-8AC7-102E8A44DDC4}"/>
+              </a:ext>
+            </a:extLst>
+          </p:cNvPr>
+          <p:cNvSpPr txBox="1"/>
+          <p:nvPr/>
+        </p:nvSpPr>
+        <p:spPr>
+          <a:xfrm>
+            <a:off x="7332204" y="5472552"/>
+            <a:ext cx="4319325" cy="523220"/>
+          </a:xfrm>
+          <a:prstGeom prst="rect">
+            <a:avLst/>
+          </a:prstGeom>
+          <a:noFill/>
+        </p:spPr>
+        <p:txBody>
+          <a:bodyPr wrap="square" rtlCol="0">
+            <a:spAutoFit/>
+          </a:bodyPr>
+          <a:lstStyle/>
+          <a:p>
+            <a:pPr algn="ctr"/>
+            <a:r>
+              <a:rPr lang="en-US" sz="1600" dirty="0">
+                <a:solidFill>
+                  <a:schemeClr val="tx1"/>
+                </a:solidFill>
+              </a:rPr>
+              <a:t>GCP Monitoring - </a:t>
+            </a:r>
+            <a:r>
+              <a:rPr lang="en-US" sz="1200" dirty="0">
+                <a:solidFill>
+                  <a:schemeClr val="tx1"/>
+                </a:solidFill>
+              </a:rPr>
+              <a:t>Monitor pipeline health, latency, and errors</a:t>
+            </a:r>
+          </a:p>
+        </p:txBody>
+      </p:sp>
     </p:spTree>
     <p:extLst>
       <p:ext uri="{BB962C8B-B14F-4D97-AF65-F5344CB8AC3E}">
